--- a/土製jpeg壓縮_410986044.pptx
+++ b/土製jpeg壓縮_410986044.pptx
@@ -9126,7 +9126,7 @@
             <p:ph idx="1"/>
             <p:extLst>
               <p:ext uri="{D42A27DB-BD31-4B8C-83A1-F6EECF244321}">
-                <p14:modId xmlns:p14="http://schemas.microsoft.com/office/powerpoint/2010/main" val="1388742896"/>
+                <p14:modId xmlns:p14="http://schemas.microsoft.com/office/powerpoint/2010/main" val="1445004362"/>
               </p:ext>
             </p:extLst>
           </p:nvPr>
@@ -9278,6 +9278,49 @@
               <a:t>2</a:t>
             </a:fld>
             <a:endParaRPr lang="en-US"/>
+          </a:p>
+        </p:txBody>
+      </p:sp>
+      <p:sp>
+        <p:nvSpPr>
+          <p:cNvPr id="7" name="文字方塊 6">
+            <a:extLst>
+              <a:ext uri="{FF2B5EF4-FFF2-40B4-BE49-F238E27FC236}">
+                <a16:creationId xmlns:a16="http://schemas.microsoft.com/office/drawing/2014/main" id="{A310AFCA-5DAF-4288-52B8-7A17885EA78E}"/>
+              </a:ext>
+            </a:extLst>
+          </p:cNvPr>
+          <p:cNvSpPr txBox="1"/>
+          <p:nvPr/>
+        </p:nvSpPr>
+        <p:spPr>
+          <a:xfrm>
+            <a:off x="1063752" y="99911"/>
+            <a:ext cx="10058400" cy="769441"/>
+          </a:xfrm>
+          <a:prstGeom prst="rect">
+            <a:avLst/>
+          </a:prstGeom>
+          <a:noFill/>
+        </p:spPr>
+        <p:txBody>
+          <a:bodyPr wrap="square" rtlCol="0">
+            <a:spAutoFit/>
+          </a:bodyPr>
+          <a:lstStyle/>
+          <a:p>
+            <a:pPr algn="ctr"/>
+            <a:r>
+              <a:rPr lang="zh-TW" altLang="en-US" sz="4400" b="0" i="0" dirty="0">
+                <a:solidFill>
+                  <a:srgbClr val="333333"/>
+                </a:solidFill>
+                <a:effectLst/>
+                <a:latin typeface="-apple-system"/>
+              </a:rPr>
+              <a:t>流程圖</a:t>
+            </a:r>
+            <a:endParaRPr kumimoji="1" lang="zh-TW" altLang="en-US" sz="4400" dirty="0"/>
           </a:p>
         </p:txBody>
       </p:sp>
